--- a/07-project-1-challenge/Presentation Slides/project 1.pptx
+++ b/07-project-1-challenge/Presentation Slides/project 1.pptx
@@ -8,19 +8,22 @@
     <p:sldMasterId id="2147483724" r:id="rId4"/>
   </p:sldMasterIdLst>
   <p:notesMasterIdLst>
-    <p:notesMasterId r:id="rId12"/>
+    <p:notesMasterId r:id="rId15"/>
   </p:notesMasterIdLst>
   <p:handoutMasterIdLst>
-    <p:handoutMasterId r:id="rId13"/>
+    <p:handoutMasterId r:id="rId16"/>
   </p:handoutMasterIdLst>
   <p:sldIdLst>
     <p:sldId id="446" r:id="rId5"/>
-    <p:sldId id="449" r:id="rId6"/>
-    <p:sldId id="455" r:id="rId7"/>
-    <p:sldId id="427" r:id="rId8"/>
-    <p:sldId id="461" r:id="rId9"/>
-    <p:sldId id="462" r:id="rId10"/>
-    <p:sldId id="454" r:id="rId11"/>
+    <p:sldId id="455" r:id="rId6"/>
+    <p:sldId id="427" r:id="rId7"/>
+    <p:sldId id="461" r:id="rId8"/>
+    <p:sldId id="469" r:id="rId9"/>
+    <p:sldId id="471" r:id="rId10"/>
+    <p:sldId id="472" r:id="rId11"/>
+    <p:sldId id="473" r:id="rId12"/>
+    <p:sldId id="463" r:id="rId13"/>
+    <p:sldId id="454" r:id="rId14"/>
   </p:sldIdLst>
   <p:sldSz cx="12192000" cy="6858000"/>
   <p:notesSz cx="6858000" cy="9144000"/>
@@ -869,7 +872,7 @@
           <a:p>
             <a:fld id="{6B83F1C3-4FA3-4491-97F4-43CA9C8BDFDF}" type="slidenum">
               <a:rPr lang="en-US" smtClean="0"/>
-              <a:t>4</a:t>
+              <a:t>3</a:t>
             </a:fld>
             <a:endParaRPr lang="en-US" dirty="0"/>
           </a:p>
@@ -7175,19 +7178,9 @@
 </p:sld>
 </file>
 
-<file path=ppt/slides/slide2.xml><?xml version="1.0" encoding="utf-8"?>
+<file path=ppt/slides/slide10.xml><?xml version="1.0" encoding="utf-8"?>
 <p:sld xmlns:a="http://schemas.openxmlformats.org/drawingml/2006/main" xmlns:r="http://schemas.openxmlformats.org/officeDocument/2006/relationships" xmlns:p="http://schemas.openxmlformats.org/presentationml/2006/main">
   <p:cSld>
-    <p:bg>
-      <p:bgPr>
-        <a:solidFill>
-          <a:schemeClr val="bg1">
-            <a:lumMod val="85000"/>
-          </a:schemeClr>
-        </a:solidFill>
-        <a:effectLst/>
-      </p:bgPr>
-    </p:bg>
     <p:spTree>
       <p:nvGrpSpPr>
         <p:cNvPr id="1" name=""/>
@@ -7207,7 +7200,7 @@
           <p:cNvPr id="4" name="Title 3">
             <a:extLst>
               <a:ext uri="{FF2B5EF4-FFF2-40B4-BE49-F238E27FC236}">
-                <a16:creationId xmlns:a16="http://schemas.microsoft.com/office/drawing/2014/main" id="{A2219A53-983C-4CAC-81BB-5FADEB962F35}"/>
+                <a16:creationId xmlns:a16="http://schemas.microsoft.com/office/drawing/2014/main" id="{97EB9C00-A469-432F-BF64-4820EECEB908}"/>
               </a:ext>
             </a:extLst>
           </p:cNvPr>
@@ -7218,33 +7211,24 @@
             <p:ph type="title"/>
           </p:nvPr>
         </p:nvSpPr>
-        <p:spPr>
-          <a:xfrm>
-            <a:off x="178066" y="220900"/>
-            <a:ext cx="3619501" cy="847504"/>
-          </a:xfrm>
-        </p:spPr>
-        <p:txBody>
-          <a:bodyPr>
-            <a:normAutofit/>
-          </a:bodyPr>
+        <p:spPr/>
+        <p:txBody>
+          <a:bodyPr/>
           <a:lstStyle/>
           <a:p>
             <a:r>
-              <a:rPr lang="en-US" dirty="0">
-                <a:latin typeface="Calibri   "/>
-              </a:rPr>
-              <a:t>AGENDA</a:t>
+              <a:rPr lang="en-AU" dirty="0"/>
+              <a:t>Q&amp;A</a:t>
             </a:r>
           </a:p>
         </p:txBody>
       </p:sp>
       <p:sp>
         <p:nvSpPr>
-          <p:cNvPr id="28" name="Title 1">
-            <a:extLst>
-              <a:ext uri="{FF2B5EF4-FFF2-40B4-BE49-F238E27FC236}">
-                <a16:creationId xmlns:a16="http://schemas.microsoft.com/office/drawing/2014/main" id="{766F19B7-C23E-413F-B878-4E536E62F75E}"/>
+          <p:cNvPr id="5" name="Title 3">
+            <a:extLst>
+              <a:ext uri="{FF2B5EF4-FFF2-40B4-BE49-F238E27FC236}">
+                <a16:creationId xmlns:a16="http://schemas.microsoft.com/office/drawing/2014/main" id="{B774C8DD-BC8C-4B84-B4BD-0DAA0E68DCFA}"/>
               </a:ext>
             </a:extLst>
           </p:cNvPr>
@@ -7255,27 +7239,27 @@
         </p:nvSpPr>
         <p:spPr>
           <a:xfrm>
-            <a:off x="2727158" y="438441"/>
-            <a:ext cx="10972800" cy="1143000"/>
+            <a:off x="457199" y="2775284"/>
+            <a:ext cx="3619501" cy="877824"/>
           </a:xfrm>
           <a:prstGeom prst="rect">
             <a:avLst/>
           </a:prstGeom>
         </p:spPr>
         <p:txBody>
-          <a:bodyPr vert="horz" lIns="91440" tIns="45720" rIns="91440" bIns="45720" rtlCol="0" anchor="t" anchorCtr="0">
+          <a:bodyPr vert="horz" lIns="91440" tIns="45720" rIns="91440" bIns="45720" rtlCol="0" anchor="ctr">
             <a:normAutofit/>
           </a:bodyPr>
           <a:lstStyle>
             <a:lvl1pPr algn="l" defTabSz="914400" rtl="0" eaLnBrk="1" latinLnBrk="0" hangingPunct="1">
               <a:lnSpc>
-                <a:spcPts val="4000"/>
+                <a:spcPts val="4320"/>
               </a:lnSpc>
               <a:spcBef>
                 <a:spcPct val="0"/>
               </a:spcBef>
               <a:buNone/>
-              <a:defRPr sz="3200" kern="1200" cap="all" baseline="0">
+              <a:defRPr sz="3600" kern="1200" cap="all" baseline="0">
                 <a:solidFill>
                   <a:schemeClr val="tx1"/>
                 </a:solidFill>
@@ -7286,38 +7270,95 @@
             </a:lvl1pPr>
           </a:lstStyle>
           <a:p>
-            <a:endParaRPr lang="en-US" dirty="0">
-              <a:latin typeface="Calibri   "/>
-            </a:endParaRPr>
-          </a:p>
-        </p:txBody>
-      </p:sp>
-      <p:sp>
-        <p:nvSpPr>
-          <p:cNvPr id="29" name="TextBox 28">
-            <a:extLst>
-              <a:ext uri="{FF2B5EF4-FFF2-40B4-BE49-F238E27FC236}">
-                <a16:creationId xmlns:a16="http://schemas.microsoft.com/office/drawing/2014/main" id="{3A87513B-6F74-443E-A480-DDAFB7EC6D7C}"/>
-              </a:ext>
-            </a:extLst>
-          </p:cNvPr>
-          <p:cNvSpPr txBox="1"/>
-          <p:nvPr/>
-        </p:nvSpPr>
-        <p:spPr>
-          <a:xfrm>
-            <a:off x="178066" y="1285945"/>
-            <a:ext cx="10743795" cy="3785652"/>
-          </a:xfrm>
-          <a:prstGeom prst="rect">
-            <a:avLst/>
-          </a:prstGeom>
-          <a:noFill/>
-        </p:spPr>
-        <p:txBody>
-          <a:bodyPr wrap="square">
-            <a:spAutoFit/>
-          </a:bodyPr>
+            <a:r>
+              <a:rPr lang="en-AU" dirty="0"/>
+              <a:t>Thank you</a:t>
+            </a:r>
+          </a:p>
+        </p:txBody>
+      </p:sp>
+    </p:spTree>
+    <p:extLst>
+      <p:ext uri="{BB962C8B-B14F-4D97-AF65-F5344CB8AC3E}">
+        <p14:creationId xmlns:p14="http://schemas.microsoft.com/office/powerpoint/2010/main" val="4194274018"/>
+      </p:ext>
+    </p:extLst>
+  </p:cSld>
+  <p:clrMapOvr>
+    <a:masterClrMapping/>
+  </p:clrMapOvr>
+</p:sld>
+</file>
+
+<file path=ppt/slides/slide2.xml><?xml version="1.0" encoding="utf-8"?>
+<p:sld xmlns:a="http://schemas.openxmlformats.org/drawingml/2006/main" xmlns:r="http://schemas.openxmlformats.org/officeDocument/2006/relationships" xmlns:p="http://schemas.openxmlformats.org/presentationml/2006/main">
+  <p:cSld>
+    <p:spTree>
+      <p:nvGrpSpPr>
+        <p:cNvPr id="1" name=""/>
+        <p:cNvGrpSpPr/>
+        <p:nvPr/>
+      </p:nvGrpSpPr>
+      <p:grpSpPr>
+        <a:xfrm>
+          <a:off x="0" y="0"/>
+          <a:ext cx="0" cy="0"/>
+          <a:chOff x="0" y="0"/>
+          <a:chExt cx="0" cy="0"/>
+        </a:xfrm>
+      </p:grpSpPr>
+      <p:sp>
+        <p:nvSpPr>
+          <p:cNvPr id="2" name="Title 1">
+            <a:extLst>
+              <a:ext uri="{FF2B5EF4-FFF2-40B4-BE49-F238E27FC236}">
+                <a16:creationId xmlns:a16="http://schemas.microsoft.com/office/drawing/2014/main" id="{DE414AB0-257E-47CD-8E43-FAA3452BEE4D}"/>
+              </a:ext>
+            </a:extLst>
+          </p:cNvPr>
+          <p:cNvSpPr>
+            <a:spLocks noGrp="1"/>
+          </p:cNvSpPr>
+          <p:nvPr>
+            <p:ph type="title"/>
+          </p:nvPr>
+        </p:nvSpPr>
+        <p:spPr/>
+        <p:txBody>
+          <a:bodyPr/>
+          <a:lstStyle/>
+          <a:p>
+            <a:r>
+              <a:rPr lang="en-AU" dirty="0"/>
+              <a:t>BACKGROUND</a:t>
+            </a:r>
+          </a:p>
+        </p:txBody>
+      </p:sp>
+      <p:sp>
+        <p:nvSpPr>
+          <p:cNvPr id="3" name="Text Placeholder 2">
+            <a:extLst>
+              <a:ext uri="{FF2B5EF4-FFF2-40B4-BE49-F238E27FC236}">
+                <a16:creationId xmlns:a16="http://schemas.microsoft.com/office/drawing/2014/main" id="{566FE19E-8CD3-42FB-A8C8-67D3EA2752B1}"/>
+              </a:ext>
+            </a:extLst>
+          </p:cNvPr>
+          <p:cNvSpPr>
+            <a:spLocks noGrp="1"/>
+          </p:cNvSpPr>
+          <p:nvPr>
+            <p:ph type="body" sz="quarter" idx="14"/>
+          </p:nvPr>
+        </p:nvSpPr>
+        <p:spPr>
+          <a:xfrm>
+            <a:off x="543826" y="2388135"/>
+            <a:ext cx="10400097" cy="3555465"/>
+          </a:xfrm>
+        </p:spPr>
+        <p:txBody>
+          <a:bodyPr/>
           <a:lstStyle/>
           <a:p>
             <a:pPr marL="456565" indent="-456565">
@@ -7325,13 +7366,13 @@
               <a:buChar char="•"/>
             </a:pPr>
             <a:r>
-              <a:rPr lang="en-US" sz="2400" dirty="0">
+              <a:rPr lang="en-US" sz="1800" dirty="0">
                 <a:latin typeface="Calibri"/>
                 <a:cs typeface="Calibri"/>
               </a:rPr>
               <a:t>Background</a:t>
             </a:r>
-            <a:endParaRPr lang="en-US" sz="2400" b="0" dirty="0">
+            <a:endParaRPr lang="en-US" sz="1800" b="0" dirty="0">
               <a:latin typeface="Calibri"/>
               <a:cs typeface="Calibri"/>
             </a:endParaRPr>
@@ -7342,13 +7383,13 @@
               <a:buChar char="•"/>
             </a:pPr>
             <a:r>
-              <a:rPr lang="en-US" sz="2400" dirty="0">
+              <a:rPr lang="en-US" sz="1800" dirty="0">
                 <a:latin typeface="Calibri"/>
                 <a:cs typeface="Calibri"/>
               </a:rPr>
               <a:t>Our hypothesis</a:t>
             </a:r>
-            <a:endParaRPr lang="en-US" sz="2400" b="0" dirty="0">
+            <a:endParaRPr lang="en-US" sz="1800" b="0" dirty="0">
               <a:latin typeface="Calibri"/>
               <a:cs typeface="Calibri"/>
             </a:endParaRPr>
@@ -7359,21 +7400,21 @@
               <a:buChar char="•"/>
             </a:pPr>
             <a:r>
-              <a:rPr lang="en-US" sz="2400" dirty="0">
+              <a:rPr lang="en-US" sz="1800" dirty="0">
                 <a:latin typeface="Calibri"/>
                 <a:cs typeface="Calibri"/>
               </a:rPr>
               <a:t>R</a:t>
             </a:r>
             <a:r>
-              <a:rPr lang="en-AU" sz="2400" dirty="0" err="1">
+              <a:rPr lang="en-AU" sz="1800" dirty="0" err="1">
                 <a:latin typeface="Calibri"/>
                 <a:cs typeface="Calibri"/>
               </a:rPr>
               <a:t>elationship</a:t>
             </a:r>
             <a:r>
-              <a:rPr lang="en-AU" sz="2400" dirty="0">
+              <a:rPr lang="en-AU" sz="1800" dirty="0">
                 <a:latin typeface="Calibri"/>
                 <a:cs typeface="Calibri"/>
               </a:rPr>
@@ -7386,27 +7427,27 @@
               <a:buChar char="•"/>
             </a:pPr>
             <a:r>
-              <a:rPr lang="en-US" sz="2400" dirty="0">
+              <a:rPr lang="en-US" sz="1800" dirty="0">
                 <a:latin typeface="Calibri"/>
                 <a:cs typeface="Calibri"/>
               </a:rPr>
               <a:t>C</a:t>
             </a:r>
             <a:r>
-              <a:rPr lang="en-US" sz="2400" b="0" dirty="0">
+              <a:rPr lang="en-US" sz="1800" b="0" dirty="0">
                 <a:latin typeface="Calibri"/>
                 <a:cs typeface="Calibri"/>
               </a:rPr>
               <a:t>ountries that im</a:t>
             </a:r>
             <a:r>
-              <a:rPr lang="en-US" sz="2400" dirty="0">
+              <a:rPr lang="en-US" sz="1800" dirty="0">
                 <a:latin typeface="Calibri"/>
                 <a:cs typeface="Calibri"/>
               </a:rPr>
               <a:t>pacted the most vs. the least</a:t>
             </a:r>
-            <a:endParaRPr lang="en-US" sz="2400" b="0" dirty="0">
+            <a:endParaRPr lang="en-US" sz="1800" b="0" dirty="0">
               <a:latin typeface="Calibri"/>
               <a:cs typeface="Calibri"/>
             </a:endParaRPr>
@@ -7417,7 +7458,7 @@
               <a:buChar char="•"/>
             </a:pPr>
             <a:r>
-              <a:rPr lang="en-US" sz="2400" dirty="0">
+              <a:rPr lang="en-US" sz="1800" dirty="0">
                 <a:latin typeface="Calibri"/>
                 <a:cs typeface="Calibri"/>
               </a:rPr>
@@ -7430,7 +7471,7 @@
               <a:buChar char="•"/>
             </a:pPr>
             <a:r>
-              <a:rPr lang="en-US" sz="2400" dirty="0">
+              <a:rPr lang="en-US" sz="1800" dirty="0">
                 <a:latin typeface="Calibri"/>
                 <a:cs typeface="Calibri"/>
               </a:rPr>
@@ -7443,7 +7484,20 @@
               <a:buChar char="•"/>
             </a:pPr>
             <a:r>
-              <a:rPr lang="en-US" sz="2400" dirty="0">
+              <a:rPr lang="en-US" sz="1800" dirty="0">
+                <a:latin typeface="Calibri"/>
+                <a:cs typeface="Calibri"/>
+              </a:rPr>
+              <a:t>Implication of this work</a:t>
+            </a:r>
+          </a:p>
+          <a:p>
+            <a:pPr marL="456565" indent="-456565">
+              <a:buFont typeface="Arial" panose="020B0604020202020204" pitchFamily="34" charset="0"/>
+              <a:buChar char="•"/>
+            </a:pPr>
+            <a:r>
+              <a:rPr lang="en-US" sz="1800" dirty="0">
                 <a:latin typeface="Calibri"/>
                 <a:cs typeface="Calibri"/>
               </a:rPr>
@@ -7451,18 +7505,17 @@
             </a:r>
           </a:p>
           <a:p>
-            <a:pPr marL="456565" lvl="0" indent="-456565">
-              <a:buFont typeface="Arial" panose="020B0604020202020204" pitchFamily="34" charset="0"/>
-              <a:buChar char="•"/>
+            <a:pPr marL="342900" indent="-342900">
+              <a:buAutoNum type="arabicPeriod"/>
             </a:pPr>
-            <a:endParaRPr lang="en-AU" sz="2400" dirty="0"/>
+            <a:endParaRPr lang="en-AU" dirty="0"/>
           </a:p>
         </p:txBody>
       </p:sp>
     </p:spTree>
     <p:extLst>
       <p:ext uri="{BB962C8B-B14F-4D97-AF65-F5344CB8AC3E}">
-        <p14:creationId xmlns:p14="http://schemas.microsoft.com/office/powerpoint/2010/main" val="2382148752"/>
+        <p14:creationId xmlns:p14="http://schemas.microsoft.com/office/powerpoint/2010/main" val="1840432216"/>
       </p:ext>
     </p:extLst>
   </p:cSld>
@@ -7491,192 +7544,6 @@
       </p:grpSpPr>
       <p:sp>
         <p:nvSpPr>
-          <p:cNvPr id="2" name="Title 1">
-            <a:extLst>
-              <a:ext uri="{FF2B5EF4-FFF2-40B4-BE49-F238E27FC236}">
-                <a16:creationId xmlns:a16="http://schemas.microsoft.com/office/drawing/2014/main" id="{DE414AB0-257E-47CD-8E43-FAA3452BEE4D}"/>
-              </a:ext>
-            </a:extLst>
-          </p:cNvPr>
-          <p:cNvSpPr>
-            <a:spLocks noGrp="1"/>
-          </p:cNvSpPr>
-          <p:nvPr>
-            <p:ph type="title"/>
-          </p:nvPr>
-        </p:nvSpPr>
-        <p:spPr/>
-        <p:txBody>
-          <a:bodyPr/>
-          <a:lstStyle/>
-          <a:p>
-            <a:r>
-              <a:rPr lang="en-AU" dirty="0"/>
-              <a:t>BACKGROUND</a:t>
-            </a:r>
-          </a:p>
-        </p:txBody>
-      </p:sp>
-      <p:sp>
-        <p:nvSpPr>
-          <p:cNvPr id="3" name="Text Placeholder 2">
-            <a:extLst>
-              <a:ext uri="{FF2B5EF4-FFF2-40B4-BE49-F238E27FC236}">
-                <a16:creationId xmlns:a16="http://schemas.microsoft.com/office/drawing/2014/main" id="{566FE19E-8CD3-42FB-A8C8-67D3EA2752B1}"/>
-              </a:ext>
-            </a:extLst>
-          </p:cNvPr>
-          <p:cNvSpPr>
-            <a:spLocks noGrp="1"/>
-          </p:cNvSpPr>
-          <p:nvPr>
-            <p:ph type="body" sz="quarter" idx="14"/>
-          </p:nvPr>
-        </p:nvSpPr>
-        <p:spPr>
-          <a:xfrm>
-            <a:off x="543826" y="2388135"/>
-            <a:ext cx="10400097" cy="3555465"/>
-          </a:xfrm>
-        </p:spPr>
-        <p:txBody>
-          <a:bodyPr/>
-          <a:lstStyle/>
-          <a:p>
-            <a:pPr marL="342900" indent="-342900">
-              <a:buFont typeface="Arial" panose="020B0604020202020204" pitchFamily="34" charset="0"/>
-              <a:buAutoNum type="arabicPeriod"/>
-            </a:pPr>
-            <a:r>
-              <a:rPr lang="en-AU" dirty="0"/>
-              <a:t>To analyse statistical significance of the relationship between being vaccinated or unvaccinated and the mortality from Covid_19.</a:t>
-            </a:r>
-          </a:p>
-          <a:p>
-            <a:pPr marL="342900" indent="-342900">
-              <a:buFont typeface="Arial" panose="020B0604020202020204" pitchFamily="34" charset="0"/>
-              <a:buAutoNum type="arabicPeriod"/>
-            </a:pPr>
-            <a:r>
-              <a:rPr lang="en-AU" dirty="0"/>
-              <a:t>Data ranged from November 2021 to January 2022</a:t>
-            </a:r>
-          </a:p>
-          <a:p>
-            <a:pPr marL="342900" indent="-342900">
-              <a:buAutoNum type="arabicPeriod"/>
-            </a:pPr>
-            <a:r>
-              <a:rPr lang="en-AU" dirty="0"/>
-              <a:t>Data resources gathered from John Hopkins University </a:t>
-            </a:r>
-            <a:r>
-              <a:rPr lang="en-US" dirty="0">
-                <a:hlinkClick r:id="rId2"/>
-              </a:rPr>
-              <a:t>covid-19-data/public/data/</a:t>
-            </a:r>
-            <a:r>
-              <a:rPr lang="en-US" dirty="0" err="1">
-                <a:hlinkClick r:id="rId2"/>
-              </a:rPr>
-              <a:t>jhu</a:t>
-            </a:r>
-            <a:r>
-              <a:rPr lang="en-US" dirty="0">
-                <a:hlinkClick r:id="rId2"/>
-              </a:rPr>
-              <a:t> at master · </a:t>
-            </a:r>
-            <a:r>
-              <a:rPr lang="en-US" dirty="0" err="1">
-                <a:hlinkClick r:id="rId2"/>
-              </a:rPr>
-              <a:t>owid</a:t>
-            </a:r>
-            <a:r>
-              <a:rPr lang="en-US" dirty="0">
-                <a:hlinkClick r:id="rId2"/>
-              </a:rPr>
-              <a:t>/covid-19-data (github.com)</a:t>
-            </a:r>
-            <a:endParaRPr lang="en-AU" dirty="0"/>
-          </a:p>
-          <a:p>
-            <a:pPr marL="342900" indent="-342900">
-              <a:buAutoNum type="arabicPeriod"/>
-            </a:pPr>
-            <a:r>
-              <a:rPr lang="en-AU" dirty="0"/>
-              <a:t>Our repository can be found in </a:t>
-            </a:r>
-            <a:r>
-              <a:rPr lang="en-AU" dirty="0" err="1">
-                <a:hlinkClick r:id="rId3"/>
-              </a:rPr>
-              <a:t>MikeMurf</a:t>
-            </a:r>
-            <a:r>
-              <a:rPr lang="en-AU" dirty="0">
-                <a:hlinkClick r:id="rId3"/>
-              </a:rPr>
-              <a:t>/project_1 (github.com)</a:t>
-            </a:r>
-            <a:r>
-              <a:rPr lang="en-AU" dirty="0"/>
-              <a:t>  to clone </a:t>
-            </a:r>
-            <a:r>
-              <a:rPr lang="en-AU" dirty="0">
-                <a:hlinkClick r:id="rId4"/>
-              </a:rPr>
-              <a:t>https://github.com/MikeMurf/project_1.git</a:t>
-            </a:r>
-            <a:r>
-              <a:rPr lang="en-AU" dirty="0"/>
-              <a:t> </a:t>
-            </a:r>
-          </a:p>
-          <a:p>
-            <a:pPr marL="342900" indent="-342900">
-              <a:buAutoNum type="arabicPeriod"/>
-            </a:pPr>
-            <a:endParaRPr lang="en-AU" dirty="0"/>
-          </a:p>
-        </p:txBody>
-      </p:sp>
-    </p:spTree>
-    <p:extLst>
-      <p:ext uri="{BB962C8B-B14F-4D97-AF65-F5344CB8AC3E}">
-        <p14:creationId xmlns:p14="http://schemas.microsoft.com/office/powerpoint/2010/main" val="1840432216"/>
-      </p:ext>
-    </p:extLst>
-  </p:cSld>
-  <p:clrMapOvr>
-    <a:masterClrMapping/>
-  </p:clrMapOvr>
-</p:sld>
-</file>
-
-<file path=ppt/slides/slide4.xml><?xml version="1.0" encoding="utf-8"?>
-<p:sld xmlns:a="http://schemas.openxmlformats.org/drawingml/2006/main" xmlns:r="http://schemas.openxmlformats.org/officeDocument/2006/relationships" xmlns:p="http://schemas.openxmlformats.org/presentationml/2006/main">
-  <p:cSld>
-    <p:spTree>
-      <p:nvGrpSpPr>
-        <p:cNvPr id="1" name=""/>
-        <p:cNvGrpSpPr/>
-        <p:nvPr/>
-      </p:nvGrpSpPr>
-      <p:grpSpPr>
-        <a:xfrm>
-          <a:off x="0" y="0"/>
-          <a:ext cx="0" cy="0"/>
-          <a:chOff x="0" y="0"/>
-          <a:chExt cx="0" cy="0"/>
-        </a:xfrm>
-      </p:grpSpPr>
-      <p:sp>
-        <p:nvSpPr>
           <p:cNvPr id="7" name="Title 6">
             <a:extLst>
               <a:ext uri="{FF2B5EF4-FFF2-40B4-BE49-F238E27FC236}">
@@ -7860,7 +7727,7 @@
 </p:sld>
 </file>
 
-<file path=ppt/slides/slide5.xml><?xml version="1.0" encoding="utf-8"?>
+<file path=ppt/slides/slide4.xml><?xml version="1.0" encoding="utf-8"?>
 <p:sld xmlns:a="http://schemas.openxmlformats.org/drawingml/2006/main" xmlns:r="http://schemas.openxmlformats.org/officeDocument/2006/relationships" xmlns:p="http://schemas.openxmlformats.org/presentationml/2006/main">
   <p:cSld>
     <p:spTree>
@@ -8566,6 +8433,145 @@
 </p:sld>
 </file>
 
+<file path=ppt/slides/slide5.xml><?xml version="1.0" encoding="utf-8"?>
+<p:sld xmlns:a="http://schemas.openxmlformats.org/drawingml/2006/main" xmlns:r="http://schemas.openxmlformats.org/officeDocument/2006/relationships" xmlns:p="http://schemas.openxmlformats.org/presentationml/2006/main">
+  <p:cSld>
+    <p:spTree>
+      <p:nvGrpSpPr>
+        <p:cNvPr id="1" name=""/>
+        <p:cNvGrpSpPr/>
+        <p:nvPr/>
+      </p:nvGrpSpPr>
+      <p:grpSpPr>
+        <a:xfrm>
+          <a:off x="0" y="0"/>
+          <a:ext cx="0" cy="0"/>
+          <a:chOff x="0" y="0"/>
+          <a:chExt cx="0" cy="0"/>
+        </a:xfrm>
+      </p:grpSpPr>
+      <p:pic>
+        <p:nvPicPr>
+          <p:cNvPr id="6" name="Picture Placeholder 5">
+            <a:extLst>
+              <a:ext uri="{FF2B5EF4-FFF2-40B4-BE49-F238E27FC236}">
+                <a16:creationId xmlns:a16="http://schemas.microsoft.com/office/drawing/2014/main" id="{174471EB-FB9B-41E1-BF78-2ADE8DAE21BC}"/>
+              </a:ext>
+            </a:extLst>
+          </p:cNvPr>
+          <p:cNvPicPr>
+            <a:picLocks noGrp="1" noChangeAspect="1"/>
+          </p:cNvPicPr>
+          <p:nvPr>
+            <p:ph type="pic" sz="quarter" idx="13"/>
+          </p:nvPr>
+        </p:nvPicPr>
+        <p:blipFill>
+          <a:blip r:embed="rId2"/>
+          <a:srcRect t="6694" b="6694"/>
+          <a:stretch>
+            <a:fillRect/>
+          </a:stretch>
+        </p:blipFill>
+        <p:spPr>
+          <a:xfrm>
+            <a:off x="5250094" y="529389"/>
+            <a:ext cx="4086411" cy="2763749"/>
+          </a:xfrm>
+          <a:prstGeom prst="rect">
+            <a:avLst/>
+          </a:prstGeom>
+        </p:spPr>
+      </p:pic>
+      <p:pic>
+        <p:nvPicPr>
+          <p:cNvPr id="7" name="Picture 6">
+            <a:extLst>
+              <a:ext uri="{FF2B5EF4-FFF2-40B4-BE49-F238E27FC236}">
+                <a16:creationId xmlns:a16="http://schemas.microsoft.com/office/drawing/2014/main" id="{AF4016EE-3582-44A4-A90D-7B850F9B2AB5}"/>
+              </a:ext>
+            </a:extLst>
+          </p:cNvPr>
+          <p:cNvPicPr>
+            <a:picLocks noChangeAspect="1"/>
+          </p:cNvPicPr>
+          <p:nvPr/>
+        </p:nvPicPr>
+        <p:blipFill>
+          <a:blip r:embed="rId3"/>
+          <a:stretch>
+            <a:fillRect/>
+          </a:stretch>
+        </p:blipFill>
+        <p:spPr>
+          <a:xfrm>
+            <a:off x="5250094" y="3745526"/>
+            <a:ext cx="4365544" cy="2982625"/>
+          </a:xfrm>
+          <a:prstGeom prst="rect">
+            <a:avLst/>
+          </a:prstGeom>
+        </p:spPr>
+      </p:pic>
+      <p:sp>
+        <p:nvSpPr>
+          <p:cNvPr id="8" name="Title 1">
+            <a:extLst>
+              <a:ext uri="{FF2B5EF4-FFF2-40B4-BE49-F238E27FC236}">
+                <a16:creationId xmlns:a16="http://schemas.microsoft.com/office/drawing/2014/main" id="{E9403A64-8F17-4A9E-8C43-F5D56021636C}"/>
+              </a:ext>
+            </a:extLst>
+          </p:cNvPr>
+          <p:cNvSpPr>
+            <a:spLocks noGrp="1"/>
+          </p:cNvSpPr>
+          <p:nvPr>
+            <p:ph type="title"/>
+          </p:nvPr>
+        </p:nvSpPr>
+        <p:spPr>
+          <a:xfrm>
+            <a:off x="279400" y="224268"/>
+            <a:ext cx="4639109" cy="930763"/>
+          </a:xfrm>
+        </p:spPr>
+        <p:txBody>
+          <a:bodyPr>
+            <a:normAutofit fontScale="90000"/>
+          </a:bodyPr>
+          <a:lstStyle/>
+          <a:p>
+            <a:r>
+              <a:rPr lang="en-US" sz="3600" dirty="0">
+                <a:solidFill>
+                  <a:schemeClr val="tx1"/>
+                </a:solidFill>
+                <a:latin typeface="Calibri"/>
+                <a:cs typeface="Calibri"/>
+              </a:rPr>
+              <a:t>Conclusion / implications</a:t>
+            </a:r>
+            <a:endParaRPr lang="en-AU" dirty="0">
+              <a:solidFill>
+                <a:schemeClr val="tx1"/>
+              </a:solidFill>
+            </a:endParaRPr>
+          </a:p>
+        </p:txBody>
+      </p:sp>
+    </p:spTree>
+    <p:extLst>
+      <p:ext uri="{BB962C8B-B14F-4D97-AF65-F5344CB8AC3E}">
+        <p14:creationId xmlns:p14="http://schemas.microsoft.com/office/powerpoint/2010/main" val="1319648283"/>
+      </p:ext>
+    </p:extLst>
+  </p:cSld>
+  <p:clrMapOvr>
+    <a:masterClrMapping/>
+  </p:clrMapOvr>
+</p:sld>
+</file>
+
 <file path=ppt/slides/slide6.xml><?xml version="1.0" encoding="utf-8"?>
 <p:sld xmlns:a="http://schemas.openxmlformats.org/drawingml/2006/main" xmlns:r="http://schemas.openxmlformats.org/officeDocument/2006/relationships" xmlns:p="http://schemas.openxmlformats.org/presentationml/2006/main">
   <p:cSld>
@@ -8583,12 +8589,72 @@
           <a:chExt cx="0" cy="0"/>
         </a:xfrm>
       </p:grpSpPr>
-      <p:sp>
-        <p:nvSpPr>
-          <p:cNvPr id="2" name="Title 1">
-            <a:extLst>
-              <a:ext uri="{FF2B5EF4-FFF2-40B4-BE49-F238E27FC236}">
-                <a16:creationId xmlns:a16="http://schemas.microsoft.com/office/drawing/2014/main" id="{160722A0-BAB2-48AD-9066-89A18D11B1DF}"/>
+      <p:pic>
+        <p:nvPicPr>
+          <p:cNvPr id="4" name="Picture 3">
+            <a:extLst>
+              <a:ext uri="{FF2B5EF4-FFF2-40B4-BE49-F238E27FC236}">
+                <a16:creationId xmlns:a16="http://schemas.microsoft.com/office/drawing/2014/main" id="{3E8FEF95-9A68-4460-977C-33BA738A5495}"/>
+              </a:ext>
+            </a:extLst>
+          </p:cNvPr>
+          <p:cNvPicPr>
+            <a:picLocks noChangeAspect="1"/>
+          </p:cNvPicPr>
+          <p:nvPr/>
+        </p:nvPicPr>
+        <p:blipFill>
+          <a:blip r:embed="rId2"/>
+          <a:stretch>
+            <a:fillRect/>
+          </a:stretch>
+        </p:blipFill>
+        <p:spPr>
+          <a:xfrm>
+            <a:off x="5472553" y="1396060"/>
+            <a:ext cx="4349974" cy="2349621"/>
+          </a:xfrm>
+          <a:prstGeom prst="rect">
+            <a:avLst/>
+          </a:prstGeom>
+        </p:spPr>
+      </p:pic>
+      <p:pic>
+        <p:nvPicPr>
+          <p:cNvPr id="5" name="Picture 4">
+            <a:extLst>
+              <a:ext uri="{FF2B5EF4-FFF2-40B4-BE49-F238E27FC236}">
+                <a16:creationId xmlns:a16="http://schemas.microsoft.com/office/drawing/2014/main" id="{61DE475E-22EA-447F-86BA-3FD0100B68C9}"/>
+              </a:ext>
+            </a:extLst>
+          </p:cNvPr>
+          <p:cNvPicPr>
+            <a:picLocks noChangeAspect="1"/>
+          </p:cNvPicPr>
+          <p:nvPr/>
+        </p:nvPicPr>
+        <p:blipFill>
+          <a:blip r:embed="rId3"/>
+          <a:stretch>
+            <a:fillRect/>
+          </a:stretch>
+        </p:blipFill>
+        <p:spPr>
+          <a:xfrm>
+            <a:off x="5472552" y="4128275"/>
+            <a:ext cx="4365543" cy="2248016"/>
+          </a:xfrm>
+          <a:prstGeom prst="rect">
+            <a:avLst/>
+          </a:prstGeom>
+        </p:spPr>
+      </p:pic>
+      <p:sp>
+        <p:nvSpPr>
+          <p:cNvPr id="6" name="Title 1">
+            <a:extLst>
+              <a:ext uri="{FF2B5EF4-FFF2-40B4-BE49-F238E27FC236}">
+                <a16:creationId xmlns:a16="http://schemas.microsoft.com/office/drawing/2014/main" id="{59739CDB-AA70-4A13-9653-90C7FE6BE77C}"/>
               </a:ext>
             </a:extLst>
           </p:cNvPr>
@@ -8601,8 +8667,8 @@
         </p:nvSpPr>
         <p:spPr>
           <a:xfrm>
-            <a:off x="457199" y="1399032"/>
-            <a:ext cx="7368140" cy="877824"/>
+            <a:off x="279400" y="224268"/>
+            <a:ext cx="4639109" cy="930763"/>
           </a:xfrm>
         </p:spPr>
         <p:txBody>
@@ -8613,200 +8679,26 @@
           <a:p>
             <a:r>
               <a:rPr lang="en-US" sz="3600" dirty="0">
+                <a:solidFill>
+                  <a:schemeClr val="tx1"/>
+                </a:solidFill>
                 <a:latin typeface="Calibri"/>
                 <a:cs typeface="Calibri"/>
               </a:rPr>
-              <a:t>Conclusion and future work</a:t>
+              <a:t>Conclusion / implications</a:t>
             </a:r>
-            <a:br>
-              <a:rPr lang="en-US" sz="3600" dirty="0">
-                <a:latin typeface="Calibri"/>
-                <a:cs typeface="Calibri"/>
-              </a:rPr>
-            </a:br>
-            <a:endParaRPr lang="en-AU" dirty="0"/>
-          </a:p>
-        </p:txBody>
-      </p:sp>
-      <p:sp>
-        <p:nvSpPr>
-          <p:cNvPr id="6" name="Text Placeholder 5">
-            <a:extLst>
-              <a:ext uri="{FF2B5EF4-FFF2-40B4-BE49-F238E27FC236}">
-                <a16:creationId xmlns:a16="http://schemas.microsoft.com/office/drawing/2014/main" id="{A8DA040B-534C-4261-BEC8-BD4E6BD30D26}"/>
-              </a:ext>
-            </a:extLst>
-          </p:cNvPr>
-          <p:cNvSpPr>
-            <a:spLocks noGrp="1"/>
-          </p:cNvSpPr>
-          <p:nvPr>
-            <p:ph type="body" sz="quarter" idx="14"/>
-          </p:nvPr>
-        </p:nvSpPr>
-        <p:spPr>
-          <a:xfrm>
-            <a:off x="4629751" y="2404389"/>
-            <a:ext cx="6583681" cy="4323669"/>
-          </a:xfrm>
-        </p:spPr>
-        <p:txBody>
-          <a:bodyPr numCol="2"/>
-          <a:lstStyle/>
-          <a:p>
-            <a:pPr marL="342900" lvl="0" indent="-342900" rtl="0">
-              <a:lnSpc>
-                <a:spcPct val="107000"/>
-              </a:lnSpc>
-              <a:buFont typeface="Symbol" panose="05050102010706020507" pitchFamily="18" charset="2"/>
-              <a:buChar char=""/>
-            </a:pPr>
-            <a:r>
-              <a:rPr lang="en-AU" sz="1800" dirty="0">
-                <a:effectLst/>
-                <a:latin typeface="Calibri" panose="020F0502020204030204" pitchFamily="34" charset="0"/>
-                <a:ea typeface="Calibri" panose="020F0502020204030204" pitchFamily="34" charset="0"/>
-                <a:cs typeface="Arial" panose="020B0604020202020204" pitchFamily="34" charset="0"/>
-              </a:rPr>
-              <a:t>Our analysis is a work in progress. It shows that there is a relationship between vaccination status (vaccinated or unvaccinated) and death for Covid patients.</a:t>
-            </a:r>
-          </a:p>
-          <a:p>
-            <a:pPr marL="342900" lvl="0" indent="-342900">
-              <a:lnSpc>
-                <a:spcPct val="107000"/>
-              </a:lnSpc>
-              <a:buFont typeface="Symbol" panose="05050102010706020507" pitchFamily="18" charset="2"/>
-              <a:buChar char=""/>
-            </a:pPr>
-            <a:r>
-              <a:rPr lang="en-AU" sz="1800" dirty="0">
-                <a:effectLst/>
-                <a:latin typeface="Calibri" panose="020F0502020204030204" pitchFamily="34" charset="0"/>
-                <a:ea typeface="Calibri" panose="020F0502020204030204" pitchFamily="34" charset="0"/>
-                <a:cs typeface="Arial" panose="020B0604020202020204" pitchFamily="34" charset="0"/>
-              </a:rPr>
-              <a:t>The relationship is not the significant correlation that might be expected.</a:t>
-            </a:r>
-          </a:p>
-          <a:p>
-            <a:pPr marL="342900" lvl="0" indent="-342900">
-              <a:lnSpc>
-                <a:spcPct val="107000"/>
-              </a:lnSpc>
-              <a:buFont typeface="Symbol" panose="05050102010706020507" pitchFamily="18" charset="2"/>
-              <a:buChar char=""/>
-            </a:pPr>
-            <a:endParaRPr lang="en-AU" sz="1800" dirty="0">
-              <a:effectLst/>
-              <a:latin typeface="Calibri" panose="020F0502020204030204" pitchFamily="34" charset="0"/>
-              <a:ea typeface="Calibri" panose="020F0502020204030204" pitchFamily="34" charset="0"/>
-              <a:cs typeface="Arial" panose="020B0604020202020204" pitchFamily="34" charset="0"/>
+            <a:endParaRPr lang="en-AU" dirty="0">
+              <a:solidFill>
+                <a:schemeClr val="tx1"/>
+              </a:solidFill>
             </a:endParaRPr>
-          </a:p>
-          <a:p>
-            <a:pPr marL="342900" lvl="0" indent="-342900">
-              <a:lnSpc>
-                <a:spcPct val="107000"/>
-              </a:lnSpc>
-              <a:buFont typeface="Symbol" panose="05050102010706020507" pitchFamily="18" charset="2"/>
-              <a:buChar char=""/>
-            </a:pPr>
-            <a:endParaRPr lang="en-AU" dirty="0">
-              <a:latin typeface="Calibri" panose="020F0502020204030204" pitchFamily="34" charset="0"/>
-              <a:ea typeface="Calibri" panose="020F0502020204030204" pitchFamily="34" charset="0"/>
-              <a:cs typeface="Arial" panose="020B0604020202020204" pitchFamily="34" charset="0"/>
-            </a:endParaRPr>
-          </a:p>
-          <a:p>
-            <a:pPr marL="342900" lvl="0" indent="-342900">
-              <a:lnSpc>
-                <a:spcPct val="107000"/>
-              </a:lnSpc>
-              <a:buFont typeface="Symbol" panose="05050102010706020507" pitchFamily="18" charset="2"/>
-              <a:buChar char=""/>
-            </a:pPr>
-            <a:endParaRPr lang="en-AU" sz="1800" dirty="0">
-              <a:effectLst/>
-              <a:latin typeface="Calibri" panose="020F0502020204030204" pitchFamily="34" charset="0"/>
-              <a:ea typeface="Calibri" panose="020F0502020204030204" pitchFamily="34" charset="0"/>
-              <a:cs typeface="Arial" panose="020B0604020202020204" pitchFamily="34" charset="0"/>
-            </a:endParaRPr>
-          </a:p>
-          <a:p>
-            <a:pPr marL="342900" lvl="0" indent="-342900">
-              <a:lnSpc>
-                <a:spcPct val="107000"/>
-              </a:lnSpc>
-              <a:buFont typeface="Symbol" panose="05050102010706020507" pitchFamily="18" charset="2"/>
-              <a:buChar char=""/>
-            </a:pPr>
-            <a:endParaRPr lang="en-AU" dirty="0">
-              <a:latin typeface="Calibri" panose="020F0502020204030204" pitchFamily="34" charset="0"/>
-              <a:ea typeface="Calibri" panose="020F0502020204030204" pitchFamily="34" charset="0"/>
-              <a:cs typeface="Arial" panose="020B0604020202020204" pitchFamily="34" charset="0"/>
-            </a:endParaRPr>
-          </a:p>
-          <a:p>
-            <a:pPr marL="342900" lvl="0" indent="-342900">
-              <a:lnSpc>
-                <a:spcPct val="107000"/>
-              </a:lnSpc>
-              <a:buFont typeface="Symbol" panose="05050102010706020507" pitchFamily="18" charset="2"/>
-              <a:buChar char=""/>
-            </a:pPr>
-            <a:endParaRPr lang="en-AU" sz="1800" dirty="0">
-              <a:effectLst/>
-              <a:latin typeface="Calibri" panose="020F0502020204030204" pitchFamily="34" charset="0"/>
-              <a:ea typeface="Calibri" panose="020F0502020204030204" pitchFamily="34" charset="0"/>
-              <a:cs typeface="Arial" panose="020B0604020202020204" pitchFamily="34" charset="0"/>
-            </a:endParaRPr>
-          </a:p>
-          <a:p>
-            <a:pPr marL="342900" lvl="0" indent="-342900">
-              <a:lnSpc>
-                <a:spcPct val="107000"/>
-              </a:lnSpc>
-              <a:buFont typeface="Symbol" panose="05050102010706020507" pitchFamily="18" charset="2"/>
-              <a:buChar char=""/>
-            </a:pPr>
-            <a:r>
-              <a:rPr lang="en-AU" sz="1800" dirty="0">
-                <a:effectLst/>
-                <a:latin typeface="Calibri" panose="020F0502020204030204" pitchFamily="34" charset="0"/>
-                <a:ea typeface="Calibri" panose="020F0502020204030204" pitchFamily="34" charset="0"/>
-                <a:cs typeface="Arial" panose="020B0604020202020204" pitchFamily="34" charset="0"/>
-              </a:rPr>
-              <a:t>Further analysis of the datasets and further statistical analysis needs to be done to quantify the extent of this relationship.</a:t>
-            </a:r>
-          </a:p>
-          <a:p>
-            <a:pPr marL="342900" lvl="0" indent="-342900">
-              <a:lnSpc>
-                <a:spcPct val="107000"/>
-              </a:lnSpc>
-              <a:spcAft>
-                <a:spcPts val="800"/>
-              </a:spcAft>
-              <a:buFont typeface="Symbol" panose="05050102010706020507" pitchFamily="18" charset="2"/>
-              <a:buChar char=""/>
-            </a:pPr>
-            <a:r>
-              <a:rPr lang="en-AU" sz="1800" dirty="0">
-                <a:effectLst/>
-                <a:latin typeface="Calibri" panose="020F0502020204030204" pitchFamily="34" charset="0"/>
-                <a:ea typeface="Calibri" panose="020F0502020204030204" pitchFamily="34" charset="0"/>
-                <a:cs typeface="Arial" panose="020B0604020202020204" pitchFamily="34" charset="0"/>
-              </a:rPr>
-              <a:t>This further analysis is dependent on the rigours of the Monash Data Analytical Bootcamp and its homework demands.</a:t>
-            </a:r>
           </a:p>
         </p:txBody>
       </p:sp>
     </p:spTree>
     <p:extLst>
       <p:ext uri="{BB962C8B-B14F-4D97-AF65-F5344CB8AC3E}">
-        <p14:creationId xmlns:p14="http://schemas.microsoft.com/office/powerpoint/2010/main" val="388870958"/>
+        <p14:creationId xmlns:p14="http://schemas.microsoft.com/office/powerpoint/2010/main" val="354005557"/>
       </p:ext>
     </p:extLst>
   </p:cSld>
@@ -8833,12 +8725,72 @@
           <a:chExt cx="0" cy="0"/>
         </a:xfrm>
       </p:grpSpPr>
-      <p:sp>
-        <p:nvSpPr>
-          <p:cNvPr id="4" name="Title 3">
-            <a:extLst>
-              <a:ext uri="{FF2B5EF4-FFF2-40B4-BE49-F238E27FC236}">
-                <a16:creationId xmlns:a16="http://schemas.microsoft.com/office/drawing/2014/main" id="{97EB9C00-A469-432F-BF64-4820EECEB908}"/>
+      <p:pic>
+        <p:nvPicPr>
+          <p:cNvPr id="6" name="Picture 5" descr="Chart&#10;&#10;Description automatically generated">
+            <a:extLst>
+              <a:ext uri="{FF2B5EF4-FFF2-40B4-BE49-F238E27FC236}">
+                <a16:creationId xmlns:a16="http://schemas.microsoft.com/office/drawing/2014/main" id="{6C84C039-7287-4DCD-AFA4-B03A4B76B74B}"/>
+              </a:ext>
+            </a:extLst>
+          </p:cNvPr>
+          <p:cNvPicPr>
+            <a:picLocks noChangeAspect="1"/>
+          </p:cNvPicPr>
+          <p:nvPr/>
+        </p:nvPicPr>
+        <p:blipFill>
+          <a:blip r:embed="rId2"/>
+          <a:stretch>
+            <a:fillRect/>
+          </a:stretch>
+        </p:blipFill>
+        <p:spPr>
+          <a:xfrm>
+            <a:off x="5355863" y="118392"/>
+            <a:ext cx="4020269" cy="3627544"/>
+          </a:xfrm>
+          <a:prstGeom prst="rect">
+            <a:avLst/>
+          </a:prstGeom>
+        </p:spPr>
+      </p:pic>
+      <p:pic>
+        <p:nvPicPr>
+          <p:cNvPr id="7" name="Picture 6" descr="Chart&#10;&#10;Description automatically generated with medium confidence">
+            <a:extLst>
+              <a:ext uri="{FF2B5EF4-FFF2-40B4-BE49-F238E27FC236}">
+                <a16:creationId xmlns:a16="http://schemas.microsoft.com/office/drawing/2014/main" id="{05D98323-666E-40CC-B4BB-1C9A13A0ABD5}"/>
+              </a:ext>
+            </a:extLst>
+          </p:cNvPr>
+          <p:cNvPicPr>
+            <a:picLocks noChangeAspect="1"/>
+          </p:cNvPicPr>
+          <p:nvPr/>
+        </p:nvPicPr>
+        <p:blipFill>
+          <a:blip r:embed="rId3"/>
+          <a:stretch>
+            <a:fillRect/>
+          </a:stretch>
+        </p:blipFill>
+        <p:spPr>
+          <a:xfrm>
+            <a:off x="5611796" y="3531825"/>
+            <a:ext cx="3657845" cy="3326175"/>
+          </a:xfrm>
+          <a:prstGeom prst="rect">
+            <a:avLst/>
+          </a:prstGeom>
+        </p:spPr>
+      </p:pic>
+      <p:sp>
+        <p:nvSpPr>
+          <p:cNvPr id="8" name="Title 1">
+            <a:extLst>
+              <a:ext uri="{FF2B5EF4-FFF2-40B4-BE49-F238E27FC236}">
+                <a16:creationId xmlns:a16="http://schemas.microsoft.com/office/drawing/2014/main" id="{72AF98CB-7E86-4E54-9286-45B64E6A5D35}"/>
               </a:ext>
             </a:extLst>
           </p:cNvPr>
@@ -8849,76 +8801,308 @@
             <p:ph type="title"/>
           </p:nvPr>
         </p:nvSpPr>
-        <p:spPr/>
-        <p:txBody>
-          <a:bodyPr/>
+        <p:spPr>
+          <a:xfrm>
+            <a:off x="279400" y="224268"/>
+            <a:ext cx="4639109" cy="930763"/>
+          </a:xfrm>
+        </p:spPr>
+        <p:txBody>
+          <a:bodyPr>
+            <a:normAutofit fontScale="90000"/>
+          </a:bodyPr>
           <a:lstStyle/>
           <a:p>
             <a:r>
-              <a:rPr lang="en-AU" dirty="0"/>
-              <a:t>Q&amp;A</a:t>
+              <a:rPr lang="en-US" sz="3600" dirty="0">
+                <a:solidFill>
+                  <a:schemeClr val="tx1"/>
+                </a:solidFill>
+                <a:latin typeface="Calibri"/>
+                <a:cs typeface="Calibri"/>
+              </a:rPr>
+              <a:t>Conclusion / implications</a:t>
             </a:r>
-          </a:p>
-        </p:txBody>
-      </p:sp>
-      <p:sp>
-        <p:nvSpPr>
-          <p:cNvPr id="5" name="Title 3">
-            <a:extLst>
-              <a:ext uri="{FF2B5EF4-FFF2-40B4-BE49-F238E27FC236}">
-                <a16:creationId xmlns:a16="http://schemas.microsoft.com/office/drawing/2014/main" id="{B774C8DD-BC8C-4B84-B4BD-0DAA0E68DCFA}"/>
-              </a:ext>
-            </a:extLst>
-          </p:cNvPr>
-          <p:cNvSpPr txBox="1">
-            <a:spLocks/>
-          </p:cNvSpPr>
+            <a:endParaRPr lang="en-AU" dirty="0">
+              <a:solidFill>
+                <a:schemeClr val="tx1"/>
+              </a:solidFill>
+            </a:endParaRPr>
+          </a:p>
+        </p:txBody>
+      </p:sp>
+    </p:spTree>
+    <p:extLst>
+      <p:ext uri="{BB962C8B-B14F-4D97-AF65-F5344CB8AC3E}">
+        <p14:creationId xmlns:p14="http://schemas.microsoft.com/office/powerpoint/2010/main" val="4236233025"/>
+      </p:ext>
+    </p:extLst>
+  </p:cSld>
+  <p:clrMapOvr>
+    <a:masterClrMapping/>
+  </p:clrMapOvr>
+</p:sld>
+</file>
+
+<file path=ppt/slides/slide8.xml><?xml version="1.0" encoding="utf-8"?>
+<p:sld xmlns:a="http://schemas.openxmlformats.org/drawingml/2006/main" xmlns:r="http://schemas.openxmlformats.org/officeDocument/2006/relationships" xmlns:p="http://schemas.openxmlformats.org/presentationml/2006/main">
+  <p:cSld>
+    <p:spTree>
+      <p:nvGrpSpPr>
+        <p:cNvPr id="1" name=""/>
+        <p:cNvGrpSpPr/>
+        <p:nvPr/>
+      </p:nvGrpSpPr>
+      <p:grpSpPr>
+        <a:xfrm>
+          <a:off x="0" y="0"/>
+          <a:ext cx="0" cy="0"/>
+          <a:chOff x="0" y="0"/>
+          <a:chExt cx="0" cy="0"/>
+        </a:xfrm>
+      </p:grpSpPr>
+      <p:pic>
+        <p:nvPicPr>
+          <p:cNvPr id="6" name="Picture 5" descr="Chart, icon&#10;&#10;Description automatically generated">
+            <a:extLst>
+              <a:ext uri="{FF2B5EF4-FFF2-40B4-BE49-F238E27FC236}">
+                <a16:creationId xmlns:a16="http://schemas.microsoft.com/office/drawing/2014/main" id="{C201062F-0E07-4FF5-A181-31D3474D622B}"/>
+              </a:ext>
+            </a:extLst>
+          </p:cNvPr>
+          <p:cNvPicPr>
+            <a:picLocks noChangeAspect="1"/>
+          </p:cNvPicPr>
           <p:nvPr/>
-        </p:nvSpPr>
-        <p:spPr>
-          <a:xfrm>
-            <a:off x="457199" y="2775284"/>
-            <a:ext cx="3619501" cy="877824"/>
+        </p:nvPicPr>
+        <p:blipFill>
+          <a:blip r:embed="rId2"/>
+          <a:stretch>
+            <a:fillRect/>
+          </a:stretch>
+        </p:blipFill>
+        <p:spPr>
+          <a:xfrm>
+            <a:off x="6096000" y="219457"/>
+            <a:ext cx="4850793" cy="3390476"/>
           </a:xfrm>
           <a:prstGeom prst="rect">
             <a:avLst/>
           </a:prstGeom>
         </p:spPr>
-        <p:txBody>
-          <a:bodyPr vert="horz" lIns="91440" tIns="45720" rIns="91440" bIns="45720" rtlCol="0" anchor="ctr">
-            <a:normAutofit/>
+      </p:pic>
+      <p:pic>
+        <p:nvPicPr>
+          <p:cNvPr id="7" name="Picture 6" descr="Chart&#10;&#10;Description automatically generated">
+            <a:extLst>
+              <a:ext uri="{FF2B5EF4-FFF2-40B4-BE49-F238E27FC236}">
+                <a16:creationId xmlns:a16="http://schemas.microsoft.com/office/drawing/2014/main" id="{08739527-A90B-4934-967F-304E581199A7}"/>
+              </a:ext>
+            </a:extLst>
+          </p:cNvPr>
+          <p:cNvPicPr>
+            <a:picLocks noChangeAspect="1"/>
+          </p:cNvPicPr>
+          <p:nvPr/>
+        </p:nvPicPr>
+        <p:blipFill>
+          <a:blip r:embed="rId3"/>
+          <a:stretch>
+            <a:fillRect/>
+          </a:stretch>
+        </p:blipFill>
+        <p:spPr>
+          <a:xfrm>
+            <a:off x="1964263" y="3531016"/>
+            <a:ext cx="4952381" cy="3326984"/>
+          </a:xfrm>
+          <a:prstGeom prst="rect">
+            <a:avLst/>
+          </a:prstGeom>
+        </p:spPr>
+      </p:pic>
+      <p:sp>
+        <p:nvSpPr>
+          <p:cNvPr id="8" name="Title 1">
+            <a:extLst>
+              <a:ext uri="{FF2B5EF4-FFF2-40B4-BE49-F238E27FC236}">
+                <a16:creationId xmlns:a16="http://schemas.microsoft.com/office/drawing/2014/main" id="{74AC364B-E076-43AF-AEBD-BCC3F90D9D77}"/>
+              </a:ext>
+            </a:extLst>
+          </p:cNvPr>
+          <p:cNvSpPr>
+            <a:spLocks noGrp="1"/>
+          </p:cNvSpPr>
+          <p:nvPr>
+            <p:ph type="title"/>
+          </p:nvPr>
+        </p:nvSpPr>
+        <p:spPr>
+          <a:xfrm>
+            <a:off x="279400" y="224268"/>
+            <a:ext cx="4639109" cy="930763"/>
+          </a:xfrm>
+        </p:spPr>
+        <p:txBody>
+          <a:bodyPr>
+            <a:normAutofit fontScale="90000"/>
           </a:bodyPr>
-          <a:lstStyle>
-            <a:lvl1pPr algn="l" defTabSz="914400" rtl="0" eaLnBrk="1" latinLnBrk="0" hangingPunct="1">
-              <a:lnSpc>
-                <a:spcPts val="4320"/>
-              </a:lnSpc>
-              <a:spcBef>
-                <a:spcPct val="0"/>
-              </a:spcBef>
-              <a:buNone/>
-              <a:defRPr sz="3600" kern="1200" cap="all" baseline="0">
+          <a:lstStyle/>
+          <a:p>
+            <a:r>
+              <a:rPr lang="en-US" sz="3600" dirty="0">
                 <a:solidFill>
                   <a:schemeClr val="tx1"/>
                 </a:solidFill>
-                <a:latin typeface="+mj-lt"/>
-                <a:ea typeface="+mj-ea"/>
-                <a:cs typeface="+mj-cs"/>
-              </a:defRPr>
-            </a:lvl1pPr>
-          </a:lstStyle>
-          <a:p>
-            <a:r>
-              <a:rPr lang="en-AU" dirty="0"/>
-              <a:t>Thank you</a:t>
+                <a:latin typeface="Calibri"/>
+                <a:cs typeface="Calibri"/>
+              </a:rPr>
+              <a:t>Conclusion / implications</a:t>
             </a:r>
+            <a:endParaRPr lang="en-AU" dirty="0">
+              <a:solidFill>
+                <a:schemeClr val="tx1"/>
+              </a:solidFill>
+            </a:endParaRPr>
           </a:p>
         </p:txBody>
       </p:sp>
     </p:spTree>
     <p:extLst>
       <p:ext uri="{BB962C8B-B14F-4D97-AF65-F5344CB8AC3E}">
-        <p14:creationId xmlns:p14="http://schemas.microsoft.com/office/powerpoint/2010/main" val="4194274018"/>
+        <p14:creationId xmlns:p14="http://schemas.microsoft.com/office/powerpoint/2010/main" val="4259225064"/>
+      </p:ext>
+    </p:extLst>
+  </p:cSld>
+  <p:clrMapOvr>
+    <a:masterClrMapping/>
+  </p:clrMapOvr>
+</p:sld>
+</file>
+
+<file path=ppt/slides/slide9.xml><?xml version="1.0" encoding="utf-8"?>
+<p:sld xmlns:a="http://schemas.openxmlformats.org/drawingml/2006/main" xmlns:r="http://schemas.openxmlformats.org/officeDocument/2006/relationships" xmlns:p="http://schemas.openxmlformats.org/presentationml/2006/main">
+  <p:cSld>
+    <p:spTree>
+      <p:nvGrpSpPr>
+        <p:cNvPr id="1" name=""/>
+        <p:cNvGrpSpPr/>
+        <p:nvPr/>
+      </p:nvGrpSpPr>
+      <p:grpSpPr>
+        <a:xfrm>
+          <a:off x="0" y="0"/>
+          <a:ext cx="0" cy="0"/>
+          <a:chOff x="0" y="0"/>
+          <a:chExt cx="0" cy="0"/>
+        </a:xfrm>
+      </p:grpSpPr>
+      <p:sp>
+        <p:nvSpPr>
+          <p:cNvPr id="2" name="Text Placeholder 1">
+            <a:extLst>
+              <a:ext uri="{FF2B5EF4-FFF2-40B4-BE49-F238E27FC236}">
+                <a16:creationId xmlns:a16="http://schemas.microsoft.com/office/drawing/2014/main" id="{11F008B9-25D3-4A5A-93F8-1F242E0856DF}"/>
+              </a:ext>
+            </a:extLst>
+          </p:cNvPr>
+          <p:cNvSpPr>
+            <a:spLocks noGrp="1"/>
+          </p:cNvSpPr>
+          <p:nvPr>
+            <p:ph type="body" sz="quarter" idx="14"/>
+          </p:nvPr>
+        </p:nvSpPr>
+        <p:spPr>
+          <a:xfrm>
+            <a:off x="457200" y="2856778"/>
+            <a:ext cx="3619500" cy="3255264"/>
+          </a:xfrm>
+        </p:spPr>
+        <p:txBody>
+          <a:bodyPr/>
+          <a:lstStyle/>
+          <a:p>
+            <a:pPr marL="342900" indent="-342900">
+              <a:lnSpc>
+                <a:spcPct val="107000"/>
+              </a:lnSpc>
+              <a:spcAft>
+                <a:spcPts val="800"/>
+              </a:spcAft>
+              <a:buAutoNum type="arabicPeriod"/>
+            </a:pPr>
+            <a:r>
+              <a:rPr lang="en-AU" sz="1800" dirty="0">
+                <a:effectLst/>
+                <a:latin typeface="Arial" panose="020B0604020202020204" pitchFamily="34" charset="0"/>
+                <a:ea typeface="Calibri" panose="020F0502020204030204" pitchFamily="34" charset="0"/>
+                <a:cs typeface="Arial" panose="020B0604020202020204" pitchFamily="34" charset="0"/>
+              </a:rPr>
+              <a:t>Vaccination reduces the deaths, deaths per 100,000 and case fatality ratio  although we found that the relationship is not the significant correlation that might have been expected.</a:t>
+            </a:r>
+            <a:endParaRPr lang="en-AU" dirty="0">
+              <a:latin typeface="Calibri" panose="020F0502020204030204" pitchFamily="34" charset="0"/>
+              <a:ea typeface="Calibri" panose="020F0502020204030204" pitchFamily="34" charset="0"/>
+              <a:cs typeface="Arial" panose="020B0604020202020204" pitchFamily="34" charset="0"/>
+            </a:endParaRPr>
+          </a:p>
+          <a:p>
+            <a:pPr marL="342900" indent="-342900">
+              <a:lnSpc>
+                <a:spcPct val="107000"/>
+              </a:lnSpc>
+              <a:spcAft>
+                <a:spcPts val="800"/>
+              </a:spcAft>
+              <a:buAutoNum type="arabicPeriod"/>
+            </a:pPr>
+            <a:r>
+              <a:rPr lang="en-AU" sz="1800" dirty="0">
+                <a:effectLst/>
+                <a:latin typeface="Arial" panose="020B0604020202020204" pitchFamily="34" charset="0"/>
+                <a:ea typeface="Calibri" panose="020F0502020204030204" pitchFamily="34" charset="0"/>
+              </a:rPr>
+              <a:t>Further work needs to be done to conclude this analysis. </a:t>
+            </a:r>
+            <a:endParaRPr lang="en-AU" dirty="0"/>
+          </a:p>
+        </p:txBody>
+      </p:sp>
+      <p:sp>
+        <p:nvSpPr>
+          <p:cNvPr id="4" name="Title 3">
+            <a:extLst>
+              <a:ext uri="{FF2B5EF4-FFF2-40B4-BE49-F238E27FC236}">
+                <a16:creationId xmlns:a16="http://schemas.microsoft.com/office/drawing/2014/main" id="{101929DD-7381-44F5-A3E8-5013D9F79D85}"/>
+              </a:ext>
+            </a:extLst>
+          </p:cNvPr>
+          <p:cNvSpPr>
+            <a:spLocks noGrp="1"/>
+          </p:cNvSpPr>
+          <p:nvPr>
+            <p:ph type="title"/>
+          </p:nvPr>
+        </p:nvSpPr>
+        <p:spPr/>
+        <p:txBody>
+          <a:bodyPr>
+            <a:normAutofit fontScale="90000"/>
+          </a:bodyPr>
+          <a:lstStyle/>
+          <a:p>
+            <a:r>
+              <a:rPr lang="en-AU" b="1" dirty="0"/>
+              <a:t>IMPLICATION OF THE WORK</a:t>
+            </a:r>
+          </a:p>
+        </p:txBody>
+      </p:sp>
+    </p:spTree>
+    <p:extLst>
+      <p:ext uri="{BB962C8B-B14F-4D97-AF65-F5344CB8AC3E}">
+        <p14:creationId xmlns:p14="http://schemas.microsoft.com/office/powerpoint/2010/main" val="1951870503"/>
       </p:ext>
     </p:extLst>
   </p:cSld>
